--- a/MDC Presentation.pptx
+++ b/MDC Presentation.pptx
@@ -8712,7 +8712,7 @@
         <a:p>
           <a:r>
             <a:rPr lang="en-US"/>
-            <a:t>Presentation:</a:t>
+            <a:t>Presentation: https://github.com/Hosch250/MDC2020AccessibilityTalk</a:t>
           </a:r>
         </a:p>
       </dgm:t>
@@ -12332,7 +12332,7 @@
           </a:pPr>
           <a:r>
             <a:rPr lang="en-US" sz="2900" kern="1200"/>
-            <a:t>Presentation:</a:t>
+            <a:t>Presentation: https://github.com/Hosch250/MDC2020AccessibilityTalk</a:t>
           </a:r>
         </a:p>
       </dsp:txBody>
@@ -31455,7 +31455,7 @@
             <p:ph idx="1"/>
             <p:extLst>
               <p:ext uri="{D42A27DB-BD31-4B8C-83A1-F6EECF244321}">
-                <p14:modId xmlns:p14="http://schemas.microsoft.com/office/powerpoint/2010/main" val="1295079359"/>
+                <p14:modId xmlns:p14="http://schemas.microsoft.com/office/powerpoint/2010/main" val="2791631252"/>
               </p:ext>
             </p:extLst>
           </p:nvPr>

--- a/MDC Presentation.pptx
+++ b/MDC Presentation.pptx
@@ -6905,7 +6905,7 @@
         <a:p>
           <a:r>
             <a:rPr lang="en-US" sz="1600" dirty="0"/>
-            <a:t>Use modals</a:t>
+            <a:t>Use modals instead</a:t>
           </a:r>
         </a:p>
       </dgm:t>
@@ -8476,8 +8476,12 @@
         <a:lstStyle/>
         <a:p>
           <a:r>
+            <a:rPr lang="en-US" sz="4400" dirty="0" err="1"/>
+            <a:t>WebAIM</a:t>
+          </a:r>
+          <a:r>
             <a:rPr lang="en-US" sz="4400" dirty="0"/>
-            <a:t>Color Contrast Tool</a:t>
+            <a:t> Color Contrast Tool</a:t>
           </a:r>
         </a:p>
       </dgm:t>
@@ -8711,7 +8715,7 @@
         <a:lstStyle/>
         <a:p>
           <a:r>
-            <a:rPr lang="en-US"/>
+            <a:rPr lang="en-US" dirty="0"/>
             <a:t>Presentation: https://github.com/Hosch250/MDC2020AccessibilityTalk</a:t>
           </a:r>
         </a:p>
@@ -8783,7 +8787,7 @@
         <a:lstStyle/>
         <a:p>
           <a:r>
-            <a:rPr lang="en-US"/>
+            <a:rPr lang="en-US" dirty="0"/>
             <a:t>Accessible Demo Site: https://github.com/Hosch250/WeatherTechAccessible</a:t>
           </a:r>
         </a:p>
@@ -10118,7 +10122,7 @@
           </a:pPr>
           <a:r>
             <a:rPr lang="en-US" sz="1600" kern="1200" dirty="0"/>
-            <a:t>Use modals</a:t>
+            <a:t>Use modals instead</a:t>
           </a:r>
         </a:p>
       </dsp:txBody>
@@ -11945,8 +11949,12 @@
             <a:buNone/>
           </a:pPr>
           <a:r>
+            <a:rPr lang="en-US" sz="4400" kern="1200" dirty="0" err="1"/>
+            <a:t>WebAIM</a:t>
+          </a:r>
+          <a:r>
             <a:rPr lang="en-US" sz="4400" kern="1200" dirty="0"/>
-            <a:t>Color Contrast Tool</a:t>
+            <a:t> Color Contrast Tool</a:t>
           </a:r>
         </a:p>
       </dsp:txBody>
@@ -12331,7 +12339,7 @@
             <a:buNone/>
           </a:pPr>
           <a:r>
-            <a:rPr lang="en-US" sz="2900" kern="1200"/>
+            <a:rPr lang="en-US" sz="2900" kern="1200" dirty="0"/>
             <a:t>Presentation: https://github.com/Hosch250/MDC2020AccessibilityTalk</a:t>
           </a:r>
         </a:p>
@@ -12549,7 +12557,7 @@
             <a:buNone/>
           </a:pPr>
           <a:r>
-            <a:rPr lang="en-US" sz="2900" kern="1200"/>
+            <a:rPr lang="en-US" sz="2900" kern="1200" dirty="0"/>
             <a:t>Accessible Demo Site: https://github.com/Hosch250/WeatherTechAccessible</a:t>
           </a:r>
         </a:p>
@@ -22206,7 +22214,7 @@
           <a:p>
             <a:fld id="{7606E7FF-F115-441D-8713-F711EB88DF1D}" type="datetimeFigureOut">
               <a:rPr lang="en-US" smtClean="0"/>
-              <a:t>4/17/2020</a:t>
+              <a:t>4/27/2020</a:t>
             </a:fld>
             <a:endParaRPr lang="en-US"/>
           </a:p>
@@ -22696,6 +22704,12 @@
               <a:t>1min + demo</a:t>
             </a:r>
           </a:p>
+          <a:p>
+            <a:r>
+              <a:rPr lang="en-US" dirty="0"/>
+              <a:t>Questions?</a:t>
+            </a:r>
+          </a:p>
         </p:txBody>
       </p:sp>
       <p:sp>
@@ -22870,6 +22884,12 @@
               <a:t>1min + demo</a:t>
             </a:r>
           </a:p>
+          <a:p>
+            <a:r>
+              <a:rPr lang="en-US" dirty="0"/>
+              <a:t>Questions?</a:t>
+            </a:r>
+          </a:p>
         </p:txBody>
       </p:sp>
       <p:sp>
@@ -22955,6 +22975,12 @@
             <a:r>
               <a:rPr lang="en-US" dirty="0"/>
               <a:t>3min</a:t>
+            </a:r>
+          </a:p>
+          <a:p>
+            <a:r>
+              <a:rPr lang="en-US" dirty="0"/>
+              <a:t>Questions</a:t>
             </a:r>
           </a:p>
         </p:txBody>
@@ -23650,6 +23676,12 @@
               <a:t>5min + demo</a:t>
             </a:r>
           </a:p>
+          <a:p>
+            <a:r>
+              <a:rPr lang="en-US" dirty="0"/>
+              <a:t>Questions?</a:t>
+            </a:r>
+          </a:p>
         </p:txBody>
       </p:sp>
       <p:sp>
@@ -23823,6 +23855,12 @@
             <a:r>
               <a:rPr lang="en-US" dirty="0"/>
               <a:t>1min + demo</a:t>
+            </a:r>
+          </a:p>
+          <a:p>
+            <a:r>
+              <a:rPr lang="en-US" dirty="0"/>
+              <a:t>Questions?</a:t>
             </a:r>
           </a:p>
         </p:txBody>
@@ -24195,7 +24233,7 @@
             <a:fld id="{B61BEF0D-F0BB-DE4B-95CE-6DB70DBA9567}" type="datetimeFigureOut">
               <a:rPr lang="en-US" dirty="0"/>
               <a:pPr/>
-              <a:t>4/17/2020</a:t>
+              <a:t>4/27/2020</a:t>
             </a:fld>
             <a:endParaRPr lang="en-US" dirty="0"/>
           </a:p>
@@ -24516,7 +24554,7 @@
             <a:fld id="{B61BEF0D-F0BB-DE4B-95CE-6DB70DBA9567}" type="datetimeFigureOut">
               <a:rPr lang="en-US" dirty="0"/>
               <a:pPr/>
-              <a:t>4/17/2020</a:t>
+              <a:t>4/27/2020</a:t>
             </a:fld>
             <a:endParaRPr lang="en-US" dirty="0"/>
           </a:p>
@@ -24761,7 +24799,7 @@
             <a:fld id="{B61BEF0D-F0BB-DE4B-95CE-6DB70DBA9567}" type="datetimeFigureOut">
               <a:rPr lang="en-US" dirty="0"/>
               <a:pPr/>
-              <a:t>4/17/2020</a:t>
+              <a:t>4/27/2020</a:t>
             </a:fld>
             <a:endParaRPr lang="en-US" dirty="0"/>
           </a:p>
@@ -25097,7 +25135,7 @@
             <a:fld id="{B61BEF0D-F0BB-DE4B-95CE-6DB70DBA9567}" type="datetimeFigureOut">
               <a:rPr lang="en-US" dirty="0"/>
               <a:pPr/>
-              <a:t>4/17/2020</a:t>
+              <a:t>4/27/2020</a:t>
             </a:fld>
             <a:endParaRPr lang="en-US" dirty="0"/>
           </a:p>
@@ -25441,7 +25479,7 @@
             <a:fld id="{B61BEF0D-F0BB-DE4B-95CE-6DB70DBA9567}" type="datetimeFigureOut">
               <a:rPr lang="en-US" dirty="0"/>
               <a:pPr/>
-              <a:t>4/17/2020</a:t>
+              <a:t>4/27/2020</a:t>
             </a:fld>
             <a:endParaRPr lang="en-US" dirty="0"/>
           </a:p>
@@ -25812,7 +25850,7 @@
             <a:fld id="{B61BEF0D-F0BB-DE4B-95CE-6DB70DBA9567}" type="datetimeFigureOut">
               <a:rPr lang="en-US" dirty="0"/>
               <a:pPr/>
-              <a:t>4/17/2020</a:t>
+              <a:t>4/27/2020</a:t>
             </a:fld>
             <a:endParaRPr lang="en-US" dirty="0"/>
           </a:p>
@@ -26279,7 +26317,7 @@
             <a:fld id="{B61BEF0D-F0BB-DE4B-95CE-6DB70DBA9567}" type="datetimeFigureOut">
               <a:rPr lang="en-US" dirty="0"/>
               <a:pPr/>
-              <a:t>4/17/2020</a:t>
+              <a:t>4/27/2020</a:t>
             </a:fld>
             <a:endParaRPr lang="en-US" dirty="0"/>
           </a:p>
@@ -26481,7 +26519,7 @@
             <a:fld id="{B61BEF0D-F0BB-DE4B-95CE-6DB70DBA9567}" type="datetimeFigureOut">
               <a:rPr lang="en-US" dirty="0"/>
               <a:pPr/>
-              <a:t>4/17/2020</a:t>
+              <a:t>4/27/2020</a:t>
             </a:fld>
             <a:endParaRPr lang="en-US" dirty="0"/>
           </a:p>
@@ -26689,7 +26727,7 @@
             <a:fld id="{B61BEF0D-F0BB-DE4B-95CE-6DB70DBA9567}" type="datetimeFigureOut">
               <a:rPr lang="en-US" dirty="0"/>
               <a:pPr/>
-              <a:t>4/17/2020</a:t>
+              <a:t>4/27/2020</a:t>
             </a:fld>
             <a:endParaRPr lang="en-US" dirty="0"/>
           </a:p>
@@ -26917,7 +26955,7 @@
           <a:p>
             <a:fld id="{05BFA754-D5C3-4E66-96A6-867B257F58DC}" type="datetimeFigureOut">
               <a:rPr lang="en-US" dirty="0"/>
-              <a:t>4/17/2020</a:t>
+              <a:t>4/27/2020</a:t>
             </a:fld>
             <a:endParaRPr lang="en-US" dirty="0"/>
           </a:p>
@@ -27161,7 +27199,7 @@
             <a:fld id="{B61BEF0D-F0BB-DE4B-95CE-6DB70DBA9567}" type="datetimeFigureOut">
               <a:rPr lang="en-US" dirty="0"/>
               <a:pPr/>
-              <a:t>4/17/2020</a:t>
+              <a:t>4/27/2020</a:t>
             </a:fld>
             <a:endParaRPr lang="en-US" dirty="0"/>
           </a:p>
@@ -27424,7 +27462,7 @@
           <a:p>
             <a:fld id="{05BFA754-D5C3-4E66-96A6-867B257F58DC}" type="datetimeFigureOut">
               <a:rPr lang="en-US" dirty="0"/>
-              <a:t>4/17/2020</a:t>
+              <a:t>4/27/2020</a:t>
             </a:fld>
             <a:endParaRPr lang="en-US" dirty="0"/>
           </a:p>
@@ -27833,7 +27871,7 @@
             <a:fld id="{B61BEF0D-F0BB-DE4B-95CE-6DB70DBA9567}" type="datetimeFigureOut">
               <a:rPr lang="en-US" dirty="0"/>
               <a:pPr/>
-              <a:t>4/17/2020</a:t>
+              <a:t>4/27/2020</a:t>
             </a:fld>
             <a:endParaRPr lang="en-US" dirty="0"/>
           </a:p>
@@ -27979,7 +28017,7 @@
             <a:fld id="{B61BEF0D-F0BB-DE4B-95CE-6DB70DBA9567}" type="datetimeFigureOut">
               <a:rPr lang="en-US" dirty="0"/>
               <a:pPr/>
-              <a:t>4/17/2020</a:t>
+              <a:t>4/27/2020</a:t>
             </a:fld>
             <a:endParaRPr lang="en-US" dirty="0"/>
           </a:p>
@@ -28102,7 +28140,7 @@
             <a:fld id="{B61BEF0D-F0BB-DE4B-95CE-6DB70DBA9567}" type="datetimeFigureOut">
               <a:rPr lang="en-US" dirty="0"/>
               <a:pPr/>
-              <a:t>4/17/2020</a:t>
+              <a:t>4/27/2020</a:t>
             </a:fld>
             <a:endParaRPr lang="en-US" dirty="0"/>
           </a:p>
@@ -28354,7 +28392,7 @@
             <a:fld id="{B61BEF0D-F0BB-DE4B-95CE-6DB70DBA9567}" type="datetimeFigureOut">
               <a:rPr lang="en-US" dirty="0"/>
               <a:pPr/>
-              <a:t>4/17/2020</a:t>
+              <a:t>4/27/2020</a:t>
             </a:fld>
             <a:endParaRPr lang="en-US" dirty="0"/>
           </a:p>
@@ -28666,7 +28704,7 @@
             <a:fld id="{B61BEF0D-F0BB-DE4B-95CE-6DB70DBA9567}" type="datetimeFigureOut">
               <a:rPr lang="en-US" dirty="0"/>
               <a:pPr/>
-              <a:t>4/17/2020</a:t>
+              <a:t>4/27/2020</a:t>
             </a:fld>
             <a:endParaRPr lang="en-US" dirty="0"/>
           </a:p>
@@ -29014,7 +29052,7 @@
             <a:fld id="{B61BEF0D-F0BB-DE4B-95CE-6DB70DBA9567}" type="datetimeFigureOut">
               <a:rPr lang="en-US" dirty="0"/>
               <a:pPr/>
-              <a:t>4/17/2020</a:t>
+              <a:t>4/27/2020</a:t>
             </a:fld>
             <a:endParaRPr lang="en-US" dirty="0"/>
           </a:p>
@@ -30671,7 +30709,7 @@
           <a:p>
             <a:r>
               <a:rPr lang="en-US" dirty="0"/>
-              <a:t>Sometimes client sets theme</a:t>
+              <a:t>Sometimes product owner/client sets theme</a:t>
             </a:r>
           </a:p>
           <a:p>
@@ -31072,7 +31110,7 @@
             <p:ph idx="1"/>
             <p:extLst>
               <p:ext uri="{D42A27DB-BD31-4B8C-83A1-F6EECF244321}">
-                <p14:modId xmlns:p14="http://schemas.microsoft.com/office/powerpoint/2010/main" val="3634250966"/>
+                <p14:modId xmlns:p14="http://schemas.microsoft.com/office/powerpoint/2010/main" val="3475756505"/>
               </p:ext>
             </p:extLst>
           </p:nvPr>
@@ -32470,7 +32508,7 @@
             </a:pPr>
             <a:r>
               <a:rPr lang="en-US" dirty="0"/>
-              <a:t>&lt;div&gt;Weather Forecast&lt;div&gt;</a:t>
+              <a:t>&lt;div class=“h1”&gt;Weather Forecast&lt;div&gt;</a:t>
             </a:r>
           </a:p>
         </p:txBody>
@@ -32643,7 +32681,7 @@
           <p:nvPr>
             <p:extLst>
               <p:ext uri="{D42A27DB-BD31-4B8C-83A1-F6EECF244321}">
-                <p14:modId xmlns:p14="http://schemas.microsoft.com/office/powerpoint/2010/main" val="2049187983"/>
+                <p14:modId xmlns:p14="http://schemas.microsoft.com/office/powerpoint/2010/main" val="3980692566"/>
               </p:ext>
             </p:extLst>
           </p:nvPr>

--- a/MDC Presentation.pptx
+++ b/MDC Presentation.pptx
@@ -5,7 +5,7 @@
     <p:sldMasterId id="2147483648" r:id="rId1"/>
   </p:sldMasterIdLst>
   <p:notesMasterIdLst>
-    <p:notesMasterId r:id="rId18"/>
+    <p:notesMasterId r:id="rId19"/>
   </p:notesMasterIdLst>
   <p:sldIdLst>
     <p:sldId id="256" r:id="rId2"/>
@@ -17,13 +17,14 @@
     <p:sldId id="262" r:id="rId8"/>
     <p:sldId id="259" r:id="rId9"/>
     <p:sldId id="268" r:id="rId10"/>
-    <p:sldId id="258" r:id="rId11"/>
-    <p:sldId id="269" r:id="rId12"/>
-    <p:sldId id="266" r:id="rId13"/>
-    <p:sldId id="270" r:id="rId14"/>
-    <p:sldId id="260" r:id="rId15"/>
-    <p:sldId id="261" r:id="rId16"/>
-    <p:sldId id="271" r:id="rId17"/>
+    <p:sldId id="272" r:id="rId11"/>
+    <p:sldId id="258" r:id="rId12"/>
+    <p:sldId id="269" r:id="rId13"/>
+    <p:sldId id="266" r:id="rId14"/>
+    <p:sldId id="270" r:id="rId15"/>
+    <p:sldId id="260" r:id="rId16"/>
+    <p:sldId id="261" r:id="rId17"/>
+    <p:sldId id="271" r:id="rId18"/>
   </p:sldIdLst>
   <p:sldSz cx="12192000" cy="6858000"/>
   <p:notesSz cx="6858000" cy="9144000"/>
@@ -22214,7 +22215,7 @@
           <a:p>
             <a:fld id="{7606E7FF-F115-441D-8713-F711EB88DF1D}" type="datetimeFigureOut">
               <a:rPr lang="en-US" smtClean="0"/>
-              <a:t>4/27/2020</a:t>
+              <a:t>4/28/2020</a:t>
             </a:fld>
             <a:endParaRPr lang="en-US"/>
           </a:p>
@@ -22614,7 +22615,7 @@
           <a:p>
             <a:r>
               <a:rPr lang="en-US" dirty="0"/>
-              <a:t>2min</a:t>
+              <a:t>Not an exhaustive list</a:t>
             </a:r>
           </a:p>
         </p:txBody>
@@ -22645,6 +22646,93 @@
     </p:spTree>
     <p:extLst>
       <p:ext uri="{BB962C8B-B14F-4D97-AF65-F5344CB8AC3E}">
+        <p14:creationId xmlns:p14="http://schemas.microsoft.com/office/powerpoint/2010/main" val="1614819862"/>
+      </p:ext>
+    </p:extLst>
+  </p:cSld>
+  <p:clrMapOvr>
+    <a:masterClrMapping/>
+  </p:clrMapOvr>
+</p:notes>
+</file>
+
+<file path=ppt/notesSlides/notesSlide11.xml><?xml version="1.0" encoding="utf-8"?>
+<p:notes xmlns:a="http://schemas.openxmlformats.org/drawingml/2006/main" xmlns:r="http://schemas.openxmlformats.org/officeDocument/2006/relationships" xmlns:p="http://schemas.openxmlformats.org/presentationml/2006/main">
+  <p:cSld>
+    <p:spTree>
+      <p:nvGrpSpPr>
+        <p:cNvPr id="1" name=""/>
+        <p:cNvGrpSpPr/>
+        <p:nvPr/>
+      </p:nvGrpSpPr>
+      <p:grpSpPr>
+        <a:xfrm>
+          <a:off x="0" y="0"/>
+          <a:ext cx="0" cy="0"/>
+          <a:chOff x="0" y="0"/>
+          <a:chExt cx="0" cy="0"/>
+        </a:xfrm>
+      </p:grpSpPr>
+      <p:sp>
+        <p:nvSpPr>
+          <p:cNvPr id="2" name="Slide Image Placeholder 1"/>
+          <p:cNvSpPr>
+            <a:spLocks noGrp="1" noRot="1" noChangeAspect="1"/>
+          </p:cNvSpPr>
+          <p:nvPr>
+            <p:ph type="sldImg"/>
+          </p:nvPr>
+        </p:nvSpPr>
+        <p:spPr/>
+      </p:sp>
+      <p:sp>
+        <p:nvSpPr>
+          <p:cNvPr id="3" name="Notes Placeholder 2"/>
+          <p:cNvSpPr>
+            <a:spLocks noGrp="1"/>
+          </p:cNvSpPr>
+          <p:nvPr>
+            <p:ph type="body" idx="1"/>
+          </p:nvPr>
+        </p:nvSpPr>
+        <p:spPr/>
+        <p:txBody>
+          <a:bodyPr/>
+          <a:lstStyle/>
+          <a:p>
+            <a:r>
+              <a:rPr lang="en-US" dirty="0"/>
+              <a:t>2min</a:t>
+            </a:r>
+          </a:p>
+        </p:txBody>
+      </p:sp>
+      <p:sp>
+        <p:nvSpPr>
+          <p:cNvPr id="4" name="Slide Number Placeholder 3"/>
+          <p:cNvSpPr>
+            <a:spLocks noGrp="1"/>
+          </p:cNvSpPr>
+          <p:nvPr>
+            <p:ph type="sldNum" sz="quarter" idx="5"/>
+          </p:nvPr>
+        </p:nvSpPr>
+        <p:spPr/>
+        <p:txBody>
+          <a:bodyPr/>
+          <a:lstStyle/>
+          <a:p>
+            <a:fld id="{22497B5C-DD19-45DA-9608-651563679EFE}" type="slidenum">
+              <a:rPr lang="en-US" smtClean="0"/>
+              <a:t>11</a:t>
+            </a:fld>
+            <a:endParaRPr lang="en-US"/>
+          </a:p>
+        </p:txBody>
+      </p:sp>
+    </p:spTree>
+    <p:extLst>
+      <p:ext uri="{BB962C8B-B14F-4D97-AF65-F5344CB8AC3E}">
         <p14:creationId xmlns:p14="http://schemas.microsoft.com/office/powerpoint/2010/main" val="3015768484"/>
       </p:ext>
     </p:extLst>
@@ -22655,7 +22743,7 @@
 </p:notes>
 </file>
 
-<file path=ppt/notesSlides/notesSlide11.xml><?xml version="1.0" encoding="utf-8"?>
+<file path=ppt/notesSlides/notesSlide12.xml><?xml version="1.0" encoding="utf-8"?>
 <p:notes xmlns:a="http://schemas.openxmlformats.org/drawingml/2006/main" xmlns:r="http://schemas.openxmlformats.org/officeDocument/2006/relationships" xmlns:p="http://schemas.openxmlformats.org/presentationml/2006/main">
   <p:cSld>
     <p:spTree>
@@ -22729,7 +22817,7 @@
           <a:p>
             <a:fld id="{22497B5C-DD19-45DA-9608-651563679EFE}" type="slidenum">
               <a:rPr lang="en-US" smtClean="0"/>
-              <a:t>11</a:t>
+              <a:t>12</a:t>
             </a:fld>
             <a:endParaRPr lang="en-US"/>
           </a:p>
@@ -22748,7 +22836,7 @@
 </p:notes>
 </file>
 
-<file path=ppt/notesSlides/notesSlide12.xml><?xml version="1.0" encoding="utf-8"?>
+<file path=ppt/notesSlides/notesSlide13.xml><?xml version="1.0" encoding="utf-8"?>
 <p:notes xmlns:a="http://schemas.openxmlformats.org/drawingml/2006/main" xmlns:r="http://schemas.openxmlformats.org/officeDocument/2006/relationships" xmlns:p="http://schemas.openxmlformats.org/presentationml/2006/main">
   <p:cSld>
     <p:spTree>
@@ -22816,7 +22904,7 @@
           <a:p>
             <a:fld id="{22497B5C-DD19-45DA-9608-651563679EFE}" type="slidenum">
               <a:rPr lang="en-US" smtClean="0"/>
-              <a:t>12</a:t>
+              <a:t>13</a:t>
             </a:fld>
             <a:endParaRPr lang="en-US"/>
           </a:p>
@@ -22835,7 +22923,7 @@
 </p:notes>
 </file>
 
-<file path=ppt/notesSlides/notesSlide13.xml><?xml version="1.0" encoding="utf-8"?>
+<file path=ppt/notesSlides/notesSlide14.xml><?xml version="1.0" encoding="utf-8"?>
 <p:notes xmlns:a="http://schemas.openxmlformats.org/drawingml/2006/main" xmlns:r="http://schemas.openxmlformats.org/officeDocument/2006/relationships" xmlns:p="http://schemas.openxmlformats.org/presentationml/2006/main">
   <p:cSld>
     <p:spTree>
@@ -22909,7 +22997,7 @@
           <a:p>
             <a:fld id="{22497B5C-DD19-45DA-9608-651563679EFE}" type="slidenum">
               <a:rPr lang="en-US" smtClean="0"/>
-              <a:t>13</a:t>
+              <a:t>14</a:t>
             </a:fld>
             <a:endParaRPr lang="en-US"/>
           </a:p>
@@ -22928,7 +23016,7 @@
 </p:notes>
 </file>
 
-<file path=ppt/notesSlides/notesSlide14.xml><?xml version="1.0" encoding="utf-8"?>
+<file path=ppt/notesSlides/notesSlide15.xml><?xml version="1.0" encoding="utf-8"?>
 <p:notes xmlns:a="http://schemas.openxmlformats.org/drawingml/2006/main" xmlns:r="http://schemas.openxmlformats.org/officeDocument/2006/relationships" xmlns:p="http://schemas.openxmlformats.org/presentationml/2006/main">
   <p:cSld>
     <p:spTree>
@@ -23002,7 +23090,7 @@
           <a:p>
             <a:fld id="{22497B5C-DD19-45DA-9608-651563679EFE}" type="slidenum">
               <a:rPr lang="en-US" smtClean="0"/>
-              <a:t>14</a:t>
+              <a:t>15</a:t>
             </a:fld>
             <a:endParaRPr lang="en-US"/>
           </a:p>
@@ -23021,7 +23109,7 @@
 </p:notes>
 </file>
 
-<file path=ppt/notesSlides/notesSlide15.xml><?xml version="1.0" encoding="utf-8"?>
+<file path=ppt/notesSlides/notesSlide16.xml><?xml version="1.0" encoding="utf-8"?>
 <p:notes xmlns:a="http://schemas.openxmlformats.org/drawingml/2006/main" xmlns:r="http://schemas.openxmlformats.org/officeDocument/2006/relationships" xmlns:p="http://schemas.openxmlformats.org/presentationml/2006/main">
   <p:cSld>
     <p:spTree>
@@ -23089,7 +23177,7 @@
           <a:p>
             <a:fld id="{22497B5C-DD19-45DA-9608-651563679EFE}" type="slidenum">
               <a:rPr lang="en-US" smtClean="0"/>
-              <a:t>15</a:t>
+              <a:t>16</a:t>
             </a:fld>
             <a:endParaRPr lang="en-US"/>
           </a:p>
@@ -23108,7 +23196,7 @@
 </p:notes>
 </file>
 
-<file path=ppt/notesSlides/notesSlide16.xml><?xml version="1.0" encoding="utf-8"?>
+<file path=ppt/notesSlides/notesSlide17.xml><?xml version="1.0" encoding="utf-8"?>
 <p:notes xmlns:a="http://schemas.openxmlformats.org/drawingml/2006/main" xmlns:r="http://schemas.openxmlformats.org/officeDocument/2006/relationships" xmlns:p="http://schemas.openxmlformats.org/presentationml/2006/main">
   <p:cSld>
     <p:spTree>
@@ -23173,7 +23261,7 @@
           <a:p>
             <a:fld id="{22497B5C-DD19-45DA-9608-651563679EFE}" type="slidenum">
               <a:rPr lang="en-US" smtClean="0"/>
-              <a:t>16</a:t>
+              <a:t>17</a:t>
             </a:fld>
             <a:endParaRPr lang="en-US"/>
           </a:p>
@@ -24233,7 +24321,7 @@
             <a:fld id="{B61BEF0D-F0BB-DE4B-95CE-6DB70DBA9567}" type="datetimeFigureOut">
               <a:rPr lang="en-US" dirty="0"/>
               <a:pPr/>
-              <a:t>4/27/2020</a:t>
+              <a:t>4/28/2020</a:t>
             </a:fld>
             <a:endParaRPr lang="en-US" dirty="0"/>
           </a:p>
@@ -24554,7 +24642,7 @@
             <a:fld id="{B61BEF0D-F0BB-DE4B-95CE-6DB70DBA9567}" type="datetimeFigureOut">
               <a:rPr lang="en-US" dirty="0"/>
               <a:pPr/>
-              <a:t>4/27/2020</a:t>
+              <a:t>4/28/2020</a:t>
             </a:fld>
             <a:endParaRPr lang="en-US" dirty="0"/>
           </a:p>
@@ -24799,7 +24887,7 @@
             <a:fld id="{B61BEF0D-F0BB-DE4B-95CE-6DB70DBA9567}" type="datetimeFigureOut">
               <a:rPr lang="en-US" dirty="0"/>
               <a:pPr/>
-              <a:t>4/27/2020</a:t>
+              <a:t>4/28/2020</a:t>
             </a:fld>
             <a:endParaRPr lang="en-US" dirty="0"/>
           </a:p>
@@ -25135,7 +25223,7 @@
             <a:fld id="{B61BEF0D-F0BB-DE4B-95CE-6DB70DBA9567}" type="datetimeFigureOut">
               <a:rPr lang="en-US" dirty="0"/>
               <a:pPr/>
-              <a:t>4/27/2020</a:t>
+              <a:t>4/28/2020</a:t>
             </a:fld>
             <a:endParaRPr lang="en-US" dirty="0"/>
           </a:p>
@@ -25479,7 +25567,7 @@
             <a:fld id="{B61BEF0D-F0BB-DE4B-95CE-6DB70DBA9567}" type="datetimeFigureOut">
               <a:rPr lang="en-US" dirty="0"/>
               <a:pPr/>
-              <a:t>4/27/2020</a:t>
+              <a:t>4/28/2020</a:t>
             </a:fld>
             <a:endParaRPr lang="en-US" dirty="0"/>
           </a:p>
@@ -25850,7 +25938,7 @@
             <a:fld id="{B61BEF0D-F0BB-DE4B-95CE-6DB70DBA9567}" type="datetimeFigureOut">
               <a:rPr lang="en-US" dirty="0"/>
               <a:pPr/>
-              <a:t>4/27/2020</a:t>
+              <a:t>4/28/2020</a:t>
             </a:fld>
             <a:endParaRPr lang="en-US" dirty="0"/>
           </a:p>
@@ -26317,7 +26405,7 @@
             <a:fld id="{B61BEF0D-F0BB-DE4B-95CE-6DB70DBA9567}" type="datetimeFigureOut">
               <a:rPr lang="en-US" dirty="0"/>
               <a:pPr/>
-              <a:t>4/27/2020</a:t>
+              <a:t>4/28/2020</a:t>
             </a:fld>
             <a:endParaRPr lang="en-US" dirty="0"/>
           </a:p>
@@ -26519,7 +26607,7 @@
             <a:fld id="{B61BEF0D-F0BB-DE4B-95CE-6DB70DBA9567}" type="datetimeFigureOut">
               <a:rPr lang="en-US" dirty="0"/>
               <a:pPr/>
-              <a:t>4/27/2020</a:t>
+              <a:t>4/28/2020</a:t>
             </a:fld>
             <a:endParaRPr lang="en-US" dirty="0"/>
           </a:p>
@@ -26727,7 +26815,7 @@
             <a:fld id="{B61BEF0D-F0BB-DE4B-95CE-6DB70DBA9567}" type="datetimeFigureOut">
               <a:rPr lang="en-US" dirty="0"/>
               <a:pPr/>
-              <a:t>4/27/2020</a:t>
+              <a:t>4/28/2020</a:t>
             </a:fld>
             <a:endParaRPr lang="en-US" dirty="0"/>
           </a:p>
@@ -26955,7 +27043,7 @@
           <a:p>
             <a:fld id="{05BFA754-D5C3-4E66-96A6-867B257F58DC}" type="datetimeFigureOut">
               <a:rPr lang="en-US" dirty="0"/>
-              <a:t>4/27/2020</a:t>
+              <a:t>4/28/2020</a:t>
             </a:fld>
             <a:endParaRPr lang="en-US" dirty="0"/>
           </a:p>
@@ -27199,7 +27287,7 @@
             <a:fld id="{B61BEF0D-F0BB-DE4B-95CE-6DB70DBA9567}" type="datetimeFigureOut">
               <a:rPr lang="en-US" dirty="0"/>
               <a:pPr/>
-              <a:t>4/27/2020</a:t>
+              <a:t>4/28/2020</a:t>
             </a:fld>
             <a:endParaRPr lang="en-US" dirty="0"/>
           </a:p>
@@ -27462,7 +27550,7 @@
           <a:p>
             <a:fld id="{05BFA754-D5C3-4E66-96A6-867B257F58DC}" type="datetimeFigureOut">
               <a:rPr lang="en-US" dirty="0"/>
-              <a:t>4/27/2020</a:t>
+              <a:t>4/28/2020</a:t>
             </a:fld>
             <a:endParaRPr lang="en-US" dirty="0"/>
           </a:p>
@@ -27871,7 +27959,7 @@
             <a:fld id="{B61BEF0D-F0BB-DE4B-95CE-6DB70DBA9567}" type="datetimeFigureOut">
               <a:rPr lang="en-US" dirty="0"/>
               <a:pPr/>
-              <a:t>4/27/2020</a:t>
+              <a:t>4/28/2020</a:t>
             </a:fld>
             <a:endParaRPr lang="en-US" dirty="0"/>
           </a:p>
@@ -28017,7 +28105,7 @@
             <a:fld id="{B61BEF0D-F0BB-DE4B-95CE-6DB70DBA9567}" type="datetimeFigureOut">
               <a:rPr lang="en-US" dirty="0"/>
               <a:pPr/>
-              <a:t>4/27/2020</a:t>
+              <a:t>4/28/2020</a:t>
             </a:fld>
             <a:endParaRPr lang="en-US" dirty="0"/>
           </a:p>
@@ -28140,7 +28228,7 @@
             <a:fld id="{B61BEF0D-F0BB-DE4B-95CE-6DB70DBA9567}" type="datetimeFigureOut">
               <a:rPr lang="en-US" dirty="0"/>
               <a:pPr/>
-              <a:t>4/27/2020</a:t>
+              <a:t>4/28/2020</a:t>
             </a:fld>
             <a:endParaRPr lang="en-US" dirty="0"/>
           </a:p>
@@ -28392,7 +28480,7 @@
             <a:fld id="{B61BEF0D-F0BB-DE4B-95CE-6DB70DBA9567}" type="datetimeFigureOut">
               <a:rPr lang="en-US" dirty="0"/>
               <a:pPr/>
-              <a:t>4/27/2020</a:t>
+              <a:t>4/28/2020</a:t>
             </a:fld>
             <a:endParaRPr lang="en-US" dirty="0"/>
           </a:p>
@@ -28704,7 +28792,7 @@
             <a:fld id="{B61BEF0D-F0BB-DE4B-95CE-6DB70DBA9567}" type="datetimeFigureOut">
               <a:rPr lang="en-US" dirty="0"/>
               <a:pPr/>
-              <a:t>4/27/2020</a:t>
+              <a:t>4/28/2020</a:t>
             </a:fld>
             <a:endParaRPr lang="en-US" dirty="0"/>
           </a:p>
@@ -29052,7 +29140,7 @@
             <a:fld id="{B61BEF0D-F0BB-DE4B-95CE-6DB70DBA9567}" type="datetimeFigureOut">
               <a:rPr lang="en-US" dirty="0"/>
               <a:pPr/>
-              <a:t>4/27/2020</a:t>
+              <a:t>4/28/2020</a:t>
             </a:fld>
             <a:endParaRPr lang="en-US" dirty="0"/>
           </a:p>
@@ -29668,6 +29756,229 @@
 <file path=ppt/slides/slide10.xml><?xml version="1.0" encoding="utf-8"?>
 <p:sld xmlns:a="http://schemas.openxmlformats.org/drawingml/2006/main" xmlns:r="http://schemas.openxmlformats.org/officeDocument/2006/relationships" xmlns:p="http://schemas.openxmlformats.org/presentationml/2006/main">
   <p:cSld>
+    <p:spTree>
+      <p:nvGrpSpPr>
+        <p:cNvPr id="1" name=""/>
+        <p:cNvGrpSpPr/>
+        <p:nvPr/>
+      </p:nvGrpSpPr>
+      <p:grpSpPr>
+        <a:xfrm>
+          <a:off x="0" y="0"/>
+          <a:ext cx="0" cy="0"/>
+          <a:chOff x="0" y="0"/>
+          <a:chExt cx="0" cy="0"/>
+        </a:xfrm>
+      </p:grpSpPr>
+      <p:sp>
+        <p:nvSpPr>
+          <p:cNvPr id="2" name="Title 1">
+            <a:extLst>
+              <a:ext uri="{FF2B5EF4-FFF2-40B4-BE49-F238E27FC236}">
+                <a16:creationId xmlns:a16="http://schemas.microsoft.com/office/drawing/2014/main" id="{E5BE68CE-D412-49A4-B952-B4CF445D35BF}"/>
+              </a:ext>
+            </a:extLst>
+          </p:cNvPr>
+          <p:cNvSpPr>
+            <a:spLocks noGrp="1"/>
+          </p:cNvSpPr>
+          <p:nvPr>
+            <p:ph type="title"/>
+          </p:nvPr>
+        </p:nvSpPr>
+        <p:spPr/>
+        <p:txBody>
+          <a:bodyPr/>
+          <a:lstStyle/>
+          <a:p>
+            <a:r>
+              <a:rPr lang="en-US" dirty="0"/>
+              <a:t>ARIA-* States and Properties</a:t>
+            </a:r>
+          </a:p>
+        </p:txBody>
+      </p:sp>
+      <p:sp>
+        <p:nvSpPr>
+          <p:cNvPr id="3" name="Content Placeholder 2">
+            <a:extLst>
+              <a:ext uri="{FF2B5EF4-FFF2-40B4-BE49-F238E27FC236}">
+                <a16:creationId xmlns:a16="http://schemas.microsoft.com/office/drawing/2014/main" id="{01FB500F-9EEC-41B4-943F-9F1B88FFAB83}"/>
+              </a:ext>
+            </a:extLst>
+          </p:cNvPr>
+          <p:cNvSpPr>
+            <a:spLocks noGrp="1"/>
+          </p:cNvSpPr>
+          <p:nvPr>
+            <p:ph sz="half" idx="1"/>
+          </p:nvPr>
+        </p:nvSpPr>
+        <p:spPr/>
+        <p:txBody>
+          <a:bodyPr>
+            <a:normAutofit fontScale="92500" lnSpcReduction="10000"/>
+          </a:bodyPr>
+          <a:lstStyle/>
+          <a:p>
+            <a:r>
+              <a:rPr lang="en-US" dirty="0"/>
+              <a:t>aria-</a:t>
+            </a:r>
+            <a:r>
+              <a:rPr lang="en-US" dirty="0" err="1"/>
+              <a:t>labelledby</a:t>
+            </a:r>
+            <a:endParaRPr lang="en-US" dirty="0"/>
+          </a:p>
+          <a:p>
+            <a:pPr lvl="1"/>
+            <a:r>
+              <a:rPr lang="en-US" dirty="0"/>
+              <a:t>Specifies another element by id as the label</a:t>
+            </a:r>
+          </a:p>
+          <a:p>
+            <a:pPr lvl="1"/>
+            <a:r>
+              <a:rPr lang="en-US" dirty="0"/>
+              <a:t>Use aria-label if label is invisible</a:t>
+            </a:r>
+          </a:p>
+          <a:p>
+            <a:r>
+              <a:rPr lang="en-US" dirty="0"/>
+              <a:t>aria-disabled</a:t>
+            </a:r>
+          </a:p>
+          <a:p>
+            <a:pPr lvl="1"/>
+            <a:r>
+              <a:rPr lang="en-US" dirty="0"/>
+              <a:t>Marks an element disabled</a:t>
+            </a:r>
+          </a:p>
+          <a:p>
+            <a:r>
+              <a:rPr lang="en-US" dirty="0"/>
+              <a:t>aria-hidden</a:t>
+            </a:r>
+          </a:p>
+          <a:p>
+            <a:pPr lvl="1"/>
+            <a:r>
+              <a:rPr lang="en-US" dirty="0"/>
+              <a:t>Marks an element invisible</a:t>
+            </a:r>
+          </a:p>
+        </p:txBody>
+      </p:sp>
+      <p:sp>
+        <p:nvSpPr>
+          <p:cNvPr id="4" name="Content Placeholder 3">
+            <a:extLst>
+              <a:ext uri="{FF2B5EF4-FFF2-40B4-BE49-F238E27FC236}">
+                <a16:creationId xmlns:a16="http://schemas.microsoft.com/office/drawing/2014/main" id="{A7459EAA-2B79-4528-939E-E5D8B36354CE}"/>
+              </a:ext>
+            </a:extLst>
+          </p:cNvPr>
+          <p:cNvSpPr>
+            <a:spLocks noGrp="1"/>
+          </p:cNvSpPr>
+          <p:nvPr>
+            <p:ph sz="half" idx="2"/>
+          </p:nvPr>
+        </p:nvSpPr>
+        <p:spPr/>
+        <p:txBody>
+          <a:bodyPr>
+            <a:normAutofit fontScale="92500" lnSpcReduction="10000"/>
+          </a:bodyPr>
+          <a:lstStyle/>
+          <a:p>
+            <a:r>
+              <a:rPr lang="en-US" dirty="0"/>
+              <a:t>role</a:t>
+            </a:r>
+          </a:p>
+          <a:p>
+            <a:pPr lvl="1"/>
+            <a:r>
+              <a:rPr lang="en-US" dirty="0"/>
+              <a:t>Set an elements role</a:t>
+            </a:r>
+          </a:p>
+          <a:p>
+            <a:pPr lvl="1"/>
+            <a:r>
+              <a:rPr lang="en-US" dirty="0"/>
+              <a:t>Button, menu, document, etc.</a:t>
+            </a:r>
+          </a:p>
+          <a:p>
+            <a:r>
+              <a:rPr lang="en-US" dirty="0"/>
+              <a:t>required (HTML5)</a:t>
+            </a:r>
+          </a:p>
+          <a:p>
+            <a:pPr lvl="1"/>
+            <a:r>
+              <a:rPr lang="en-US" dirty="0"/>
+              <a:t>aria-required for other versions</a:t>
+            </a:r>
+          </a:p>
+          <a:p>
+            <a:r>
+              <a:rPr lang="en-US" dirty="0"/>
+              <a:t>aria-</a:t>
+            </a:r>
+            <a:r>
+              <a:rPr lang="en-US" dirty="0" err="1"/>
+              <a:t>valuemin</a:t>
+            </a:r>
+            <a:r>
+              <a:rPr lang="en-US" dirty="0"/>
+              <a:t> &amp; aria-</a:t>
+            </a:r>
+            <a:r>
+              <a:rPr lang="en-US" dirty="0" err="1"/>
+              <a:t>valuemax</a:t>
+            </a:r>
+            <a:endParaRPr lang="en-US" dirty="0"/>
+          </a:p>
+          <a:p>
+            <a:pPr lvl="1"/>
+            <a:r>
+              <a:rPr lang="en-US" dirty="0"/>
+              <a:t>Min and max values for a range</a:t>
+            </a:r>
+          </a:p>
+          <a:p>
+            <a:pPr lvl="1"/>
+            <a:r>
+              <a:rPr lang="en-US" dirty="0"/>
+              <a:t>Required on some roles</a:t>
+            </a:r>
+          </a:p>
+        </p:txBody>
+      </p:sp>
+    </p:spTree>
+    <p:extLst>
+      <p:ext uri="{BB962C8B-B14F-4D97-AF65-F5344CB8AC3E}">
+        <p14:creationId xmlns:p14="http://schemas.microsoft.com/office/powerpoint/2010/main" val="1944841877"/>
+      </p:ext>
+    </p:extLst>
+  </p:cSld>
+  <p:clrMapOvr>
+    <a:masterClrMapping/>
+  </p:clrMapOvr>
+</p:sld>
+</file>
+
+<file path=ppt/slides/slide11.xml><?xml version="1.0" encoding="utf-8"?>
+<p:sld xmlns:a="http://schemas.openxmlformats.org/drawingml/2006/main" xmlns:r="http://schemas.openxmlformats.org/officeDocument/2006/relationships" xmlns:p="http://schemas.openxmlformats.org/presentationml/2006/main">
+  <p:cSld>
     <p:bg>
       <p:bgPr>
         <a:blipFill>
@@ -30050,7 +30361,7 @@
 </p:sld>
 </file>
 
-<file path=ppt/slides/slide11.xml><?xml version="1.0" encoding="utf-8"?>
+<file path=ppt/slides/slide12.xml><?xml version="1.0" encoding="utf-8"?>
 <p:sld xmlns:a="http://schemas.openxmlformats.org/drawingml/2006/main" xmlns:r="http://schemas.openxmlformats.org/officeDocument/2006/relationships" xmlns:p="http://schemas.openxmlformats.org/presentationml/2006/main">
   <p:cSld>
     <p:spTree>
@@ -30232,7 +30543,7 @@
 </p:sld>
 </file>
 
-<file path=ppt/slides/slide12.xml><?xml version="1.0" encoding="utf-8"?>
+<file path=ppt/slides/slide13.xml><?xml version="1.0" encoding="utf-8"?>
 <p:sld xmlns:a="http://schemas.openxmlformats.org/drawingml/2006/main" xmlns:r="http://schemas.openxmlformats.org/officeDocument/2006/relationships" xmlns:p="http://schemas.openxmlformats.org/presentationml/2006/main">
   <p:cSld>
     <p:bg>
@@ -30408,7 +30719,7 @@
 </p:sld>
 </file>
 
-<file path=ppt/slides/slide13.xml><?xml version="1.0" encoding="utf-8"?>
+<file path=ppt/slides/slide14.xml><?xml version="1.0" encoding="utf-8"?>
 <p:sld xmlns:a="http://schemas.openxmlformats.org/drawingml/2006/main" xmlns:r="http://schemas.openxmlformats.org/officeDocument/2006/relationships" xmlns:p="http://schemas.openxmlformats.org/presentationml/2006/main">
   <p:cSld>
     <p:spTree>
@@ -30564,7 +30875,7 @@
 </p:sld>
 </file>
 
-<file path=ppt/slides/slide14.xml><?xml version="1.0" encoding="utf-8"?>
+<file path=ppt/slides/slide15.xml><?xml version="1.0" encoding="utf-8"?>
 <p:sld xmlns:a="http://schemas.openxmlformats.org/drawingml/2006/main" xmlns:r="http://schemas.openxmlformats.org/officeDocument/2006/relationships" xmlns:p="http://schemas.openxmlformats.org/presentationml/2006/main">
   <p:cSld>
     <p:bg>
@@ -30777,7 +31088,7 @@
 </p:sld>
 </file>
 
-<file path=ppt/slides/slide15.xml><?xml version="1.0" encoding="utf-8"?>
+<file path=ppt/slides/slide16.xml><?xml version="1.0" encoding="utf-8"?>
 <p:sld xmlns:a="http://schemas.openxmlformats.org/drawingml/2006/main" xmlns:r="http://schemas.openxmlformats.org/officeDocument/2006/relationships" xmlns:p="http://schemas.openxmlformats.org/presentationml/2006/main">
   <p:cSld>
     <p:bg>
@@ -31138,7 +31449,7 @@
 </p:sld>
 </file>
 
-<file path=ppt/slides/slide16.xml><?xml version="1.0" encoding="utf-8"?>
+<file path=ppt/slides/slide17.xml><?xml version="1.0" encoding="utf-8"?>
 <p:sld xmlns:a="http://schemas.openxmlformats.org/drawingml/2006/main" xmlns:r="http://schemas.openxmlformats.org/officeDocument/2006/relationships" xmlns:p="http://schemas.openxmlformats.org/presentationml/2006/main">
   <p:cSld>
     <p:bg>
@@ -31707,14 +32018,14 @@
             <a:pPr lvl="1"/>
             <a:r>
               <a:rPr lang="en-US" dirty="0"/>
-              <a:t>Section 508 of the Rehabilitation Act of 1973</a:t>
+              <a:t>Section 508 of the Rehabilitation Act of 1973 (Europe)</a:t>
             </a:r>
           </a:p>
           <a:p>
             <a:pPr lvl="1"/>
             <a:r>
               <a:rPr lang="en-US" dirty="0"/>
-              <a:t>ADA</a:t>
+              <a:t>American Disability Act (ADA)</a:t>
             </a:r>
           </a:p>
           <a:p>
@@ -32508,7 +32819,7 @@
             </a:pPr>
             <a:r>
               <a:rPr lang="en-US" dirty="0"/>
-              <a:t>&lt;div class=“h1”&gt;Weather Forecast&lt;div&gt;</a:t>
+              <a:t>&lt;div class=“h2”&gt;Weather Forecast&lt;div&gt;</a:t>
             </a:r>
           </a:p>
         </p:txBody>
